--- a/windocs/neo-charm/diagrams/neo-charm-2-0-1.pptx
+++ b/windocs/neo-charm/diagrams/neo-charm-2-0-1.pptx
@@ -3350,10 +3350,10 @@
       </p:grpSpPr>
       <p:pic>
         <p:nvPicPr>
-          <p:cNvPr id="2" name="Picture 1">
-            <a:extLst>
-              <a:ext uri="{FF2B5EF4-FFF2-40B4-BE49-F238E27FC236}">
-                <a16:creationId xmlns:a16="http://schemas.microsoft.com/office/drawing/2014/main" id="{336C8DED-577D-46E7-AF7A-3CF3C102075F}"/>
+          <p:cNvPr id="3" name="Picture 2">
+            <a:extLst>
+              <a:ext uri="{FF2B5EF4-FFF2-40B4-BE49-F238E27FC236}">
+                <a16:creationId xmlns:a16="http://schemas.microsoft.com/office/drawing/2014/main" id="{199891D9-21B2-413D-A6DC-233B23049982}"/>
               </a:ext>
             </a:extLst>
           </p:cNvPr>
@@ -3370,8 +3370,8 @@
         </p:blipFill>
         <p:spPr>
           <a:xfrm>
-            <a:off x="8390" y="0"/>
-            <a:ext cx="11911263" cy="6858000"/>
+            <a:off x="0" y="2254"/>
+            <a:ext cx="12192000" cy="6853491"/>
           </a:xfrm>
           <a:prstGeom prst="rect">
             <a:avLst/>
@@ -4648,6 +4648,55 @@
             <a:r>
               <a:rPr lang="en-CA" sz="1400" b="1" dirty="0"/>
               <a:t>Z</a:t>
+            </a:r>
+          </a:p>
+        </p:txBody>
+      </p:sp>
+      <p:sp>
+        <p:nvSpPr>
+          <p:cNvPr id="36" name="Oval 35">
+            <a:extLst>
+              <a:ext uri="{FF2B5EF4-FFF2-40B4-BE49-F238E27FC236}">
+                <a16:creationId xmlns:a16="http://schemas.microsoft.com/office/drawing/2014/main" id="{5E09C1F3-593C-49A3-B51F-C90BD2FBE85E}"/>
+              </a:ext>
+            </a:extLst>
+          </p:cNvPr>
+          <p:cNvSpPr/>
+          <p:nvPr/>
+        </p:nvSpPr>
+        <p:spPr>
+          <a:xfrm>
+            <a:off x="5097990" y="4380333"/>
+            <a:ext cx="254524" cy="254524"/>
+          </a:xfrm>
+          <a:prstGeom prst="ellipse">
+            <a:avLst/>
+          </a:prstGeom>
+        </p:spPr>
+        <p:style>
+          <a:lnRef idx="2">
+            <a:schemeClr val="accent1">
+              <a:shade val="50000"/>
+            </a:schemeClr>
+          </a:lnRef>
+          <a:fillRef idx="1">
+            <a:schemeClr val="accent1"/>
+          </a:fillRef>
+          <a:effectRef idx="0">
+            <a:schemeClr val="accent1"/>
+          </a:effectRef>
+          <a:fontRef idx="minor">
+            <a:schemeClr val="lt1"/>
+          </a:fontRef>
+        </p:style>
+        <p:txBody>
+          <a:bodyPr rtlCol="0" anchor="ctr"/>
+          <a:lstStyle/>
+          <a:p>
+            <a:pPr algn="ctr"/>
+            <a:r>
+              <a:rPr lang="en-CA" sz="1400" b="1" dirty="0"/>
+              <a:t>S</a:t>
             </a:r>
           </a:p>
         </p:txBody>
